--- a/PresentationRes/2DGP 2차 발표.pptx
+++ b/PresentationRes/2DGP 2차 발표.pptx
@@ -3574,7 +3574,7 @@
           <p:nvPr>
             <p:extLst>
               <p:ext uri="{D42A27DB-BD31-4B8C-83A1-F6EECF244321}">
-                <p14:modId xmlns:p14="http://schemas.microsoft.com/office/powerpoint/2010/main" val="4127773978"/>
+                <p14:modId xmlns:p14="http://schemas.microsoft.com/office/powerpoint/2010/main" val="1146785160"/>
               </p:ext>
             </p:extLst>
           </p:nvPr>
@@ -3683,7 +3683,14 @@
                           <a:latin typeface="Noto Sans KR" panose="020B0200000000000000" pitchFamily="50" charset="-127"/>
                           <a:ea typeface="Noto Sans KR" panose="020B0200000000000000" pitchFamily="50" charset="-127"/>
                         </a:rPr>
-                        <a:t>진행률</a:t>
+                        <a:t>평균 진행률 </a:t>
+                      </a:r>
+                      <a:r>
+                        <a:rPr kumimoji="1" lang="en-US" altLang="ko-KR" sz="1200" dirty="0">
+                          <a:latin typeface="Noto Sans KR" panose="020B0200000000000000" pitchFamily="50" charset="-127"/>
+                          <a:ea typeface="Noto Sans KR" panose="020B0200000000000000" pitchFamily="50" charset="-127"/>
+                        </a:rPr>
+                        <a:t>90%</a:t>
                       </a:r>
                       <a:endParaRPr kumimoji="1" lang="ja-JP" altLang="en-US" sz="1200" dirty="0">
                         <a:latin typeface="Noto Sans KR" panose="020B0200000000000000" pitchFamily="50" charset="-127"/>
@@ -4273,6 +4280,34 @@
                         </a:rPr>
                         <a:t>구현</a:t>
                       </a:r>
+                      <a:r>
+                        <a:rPr kumimoji="1" lang="en-US" altLang="ko-KR" sz="1200" dirty="0">
+                          <a:latin typeface="Noto Sans KR" panose="020B0200000000000000" pitchFamily="50" charset="-127"/>
+                          <a:ea typeface="Noto Sans KR" panose="020B0200000000000000" pitchFamily="50" charset="-127"/>
+                        </a:rPr>
+                        <a:t>, </a:t>
+                      </a:r>
+                      <a:r>
+                        <a:rPr kumimoji="1" lang="ko-KR" altLang="en-US" sz="1200" dirty="0">
+                          <a:latin typeface="Noto Sans KR" panose="020B0200000000000000" pitchFamily="50" charset="-127"/>
+                          <a:ea typeface="Noto Sans KR" panose="020B0200000000000000" pitchFamily="50" charset="-127"/>
+                        </a:rPr>
+                        <a:t>잡기 구현 </a:t>
+                      </a:r>
+                      <a:r>
+                        <a:rPr kumimoji="1" lang="en-US" altLang="ko-KR" sz="1200" dirty="0">
+                          <a:latin typeface="Noto Sans KR" panose="020B0200000000000000" pitchFamily="50" charset="-127"/>
+                          <a:ea typeface="Noto Sans KR" panose="020B0200000000000000" pitchFamily="50" charset="-127"/>
+                        </a:rPr>
+                        <a:t>X, </a:t>
+                      </a:r>
+                      <a:r>
+                        <a:rPr kumimoji="1" lang="ko-KR" altLang="en-US" sz="1200" dirty="0">
+                          <a:latin typeface="Noto Sans KR" panose="020B0200000000000000" pitchFamily="50" charset="-127"/>
+                          <a:ea typeface="Noto Sans KR" panose="020B0200000000000000" pitchFamily="50" charset="-127"/>
+                        </a:rPr>
+                        <a:t>레이지 스킬은 충돌처리 이후로 예정</a:t>
+                      </a:r>
                       <a:endParaRPr kumimoji="1" lang="ja-JP" altLang="en-US" sz="1200" dirty="0">
                         <a:latin typeface="Noto Sans KR" panose="020B0200000000000000" pitchFamily="50" charset="-127"/>
                         <a:ea typeface="Noto Sans KR" panose="020B0200000000000000" pitchFamily="50" charset="-127"/>
@@ -4546,6 +4581,34 @@
                         </a:rPr>
                         <a:t>공격 구현</a:t>
                       </a:r>
+                      <a:r>
+                        <a:rPr kumimoji="1" lang="en-US" altLang="ko-KR" sz="1200" dirty="0">
+                          <a:latin typeface="Noto Sans KR" panose="020B0200000000000000" pitchFamily="50" charset="-127"/>
+                          <a:ea typeface="Noto Sans KR" panose="020B0200000000000000" pitchFamily="50" charset="-127"/>
+                        </a:rPr>
+                        <a:t>, </a:t>
+                      </a:r>
+                      <a:r>
+                        <a:rPr kumimoji="1" lang="ko-KR" altLang="en-US" sz="1200" dirty="0">
+                          <a:latin typeface="Noto Sans KR" panose="020B0200000000000000" pitchFamily="50" charset="-127"/>
+                          <a:ea typeface="Noto Sans KR" panose="020B0200000000000000" pitchFamily="50" charset="-127"/>
+                        </a:rPr>
+                        <a:t>잡기 구현 </a:t>
+                      </a:r>
+                      <a:r>
+                        <a:rPr kumimoji="1" lang="en-US" altLang="ko-KR" sz="1200" dirty="0">
+                          <a:latin typeface="Noto Sans KR" panose="020B0200000000000000" pitchFamily="50" charset="-127"/>
+                          <a:ea typeface="Noto Sans KR" panose="020B0200000000000000" pitchFamily="50" charset="-127"/>
+                        </a:rPr>
+                        <a:t>X, </a:t>
+                      </a:r>
+                      <a:r>
+                        <a:rPr kumimoji="1" lang="ko-KR" altLang="en-US" sz="1200" dirty="0">
+                          <a:latin typeface="Noto Sans KR" panose="020B0200000000000000" pitchFamily="50" charset="-127"/>
+                          <a:ea typeface="Noto Sans KR" panose="020B0200000000000000" pitchFamily="50" charset="-127"/>
+                        </a:rPr>
+                        <a:t>레이지 스킬은 충돌처리 이후로 예정</a:t>
+                      </a:r>
                       <a:endParaRPr kumimoji="1" lang="ja-JP" altLang="en-US" sz="1200" dirty="0">
                         <a:latin typeface="Noto Sans KR" panose="020B0200000000000000" pitchFamily="50" charset="-127"/>
                         <a:ea typeface="Noto Sans KR" panose="020B0200000000000000" pitchFamily="50" charset="-127"/>
@@ -4819,6 +4882,34 @@
                         </a:rPr>
                         <a:t>공격 구현</a:t>
                       </a:r>
+                      <a:r>
+                        <a:rPr kumimoji="1" lang="en-US" altLang="ko-KR" sz="1200" dirty="0">
+                          <a:latin typeface="Noto Sans KR" panose="020B0200000000000000" pitchFamily="50" charset="-127"/>
+                          <a:ea typeface="Noto Sans KR" panose="020B0200000000000000" pitchFamily="50" charset="-127"/>
+                        </a:rPr>
+                        <a:t>, </a:t>
+                      </a:r>
+                      <a:r>
+                        <a:rPr kumimoji="1" lang="ko-KR" altLang="en-US" sz="1200" dirty="0">
+                          <a:latin typeface="Noto Sans KR" panose="020B0200000000000000" pitchFamily="50" charset="-127"/>
+                          <a:ea typeface="Noto Sans KR" panose="020B0200000000000000" pitchFamily="50" charset="-127"/>
+                        </a:rPr>
+                        <a:t>잡기 구현 </a:t>
+                      </a:r>
+                      <a:r>
+                        <a:rPr kumimoji="1" lang="en-US" altLang="ko-KR" sz="1200" dirty="0">
+                          <a:latin typeface="Noto Sans KR" panose="020B0200000000000000" pitchFamily="50" charset="-127"/>
+                          <a:ea typeface="Noto Sans KR" panose="020B0200000000000000" pitchFamily="50" charset="-127"/>
+                        </a:rPr>
+                        <a:t>X, </a:t>
+                      </a:r>
+                      <a:r>
+                        <a:rPr kumimoji="1" lang="ko-KR" altLang="en-US" sz="1200" dirty="0">
+                          <a:latin typeface="Noto Sans KR" panose="020B0200000000000000" pitchFamily="50" charset="-127"/>
+                          <a:ea typeface="Noto Sans KR" panose="020B0200000000000000" pitchFamily="50" charset="-127"/>
+                        </a:rPr>
+                        <a:t>레이지 스킬은 충돌처리 이후로 예정</a:t>
+                      </a:r>
                       <a:endParaRPr kumimoji="1" lang="ja-JP" altLang="en-US" sz="1200" dirty="0">
                         <a:latin typeface="Noto Sans KR" panose="020B0200000000000000" pitchFamily="50" charset="-127"/>
                         <a:ea typeface="Noto Sans KR" panose="020B0200000000000000" pitchFamily="50" charset="-127"/>
@@ -5100,56 +5191,21 @@
                           <a:latin typeface="Noto Sans KR" panose="020B0200000000000000" pitchFamily="50" charset="-127"/>
                           <a:ea typeface="Noto Sans KR" panose="020B0200000000000000" pitchFamily="50" charset="-127"/>
                         </a:rPr>
-                        <a:t>캐릭터 </a:t>
-                      </a:r>
-                      <a:r>
-                        <a:rPr kumimoji="1" lang="ko-KR" altLang="en-US" sz="1200" dirty="0" err="1">
-                          <a:latin typeface="Noto Sans KR" panose="020B0200000000000000" pitchFamily="50" charset="-127"/>
-                          <a:ea typeface="Noto Sans KR" panose="020B0200000000000000" pitchFamily="50" charset="-127"/>
-                        </a:rPr>
-                        <a:t>스프라이트</a:t>
+                        <a:t>캐릭터</a:t>
+                      </a:r>
+                      <a:r>
+                        <a:rPr kumimoji="1" lang="en-US" altLang="ko-KR" sz="1200" dirty="0">
+                          <a:latin typeface="Noto Sans KR" panose="020B0200000000000000" pitchFamily="50" charset="-127"/>
+                          <a:ea typeface="Noto Sans KR" panose="020B0200000000000000" pitchFamily="50" charset="-127"/>
+                        </a:rPr>
+                        <a:t> Type </a:t>
                       </a:r>
                       <a:r>
                         <a:rPr kumimoji="1" lang="ko-KR" altLang="en-US" sz="1200" dirty="0">
                           <a:latin typeface="Noto Sans KR" panose="020B0200000000000000" pitchFamily="50" charset="-127"/>
                           <a:ea typeface="Noto Sans KR" panose="020B0200000000000000" pitchFamily="50" charset="-127"/>
                         </a:rPr>
-                        <a:t> 정리 </a:t>
-                      </a:r>
-                      <a:r>
-                        <a:rPr kumimoji="1" lang="en-US" altLang="ko-KR" sz="1200" dirty="0">
-                          <a:latin typeface="Noto Sans KR" panose="020B0200000000000000" pitchFamily="50" charset="-127"/>
-                          <a:ea typeface="Noto Sans KR" panose="020B0200000000000000" pitchFamily="50" charset="-127"/>
-                        </a:rPr>
-                        <a:t>(11</a:t>
-                      </a:r>
-                      <a:r>
-                        <a:rPr kumimoji="1" lang="ko-KR" altLang="en-US" sz="1200" dirty="0">
-                          <a:latin typeface="Noto Sans KR" panose="020B0200000000000000" pitchFamily="50" charset="-127"/>
-                          <a:ea typeface="Noto Sans KR" panose="020B0200000000000000" pitchFamily="50" charset="-127"/>
-                        </a:rPr>
-                        <a:t>월 </a:t>
-                      </a:r>
-                      <a:r>
-                        <a:rPr kumimoji="1" lang="en-US" altLang="ko-KR" sz="1200" dirty="0">
-                          <a:latin typeface="Noto Sans KR" panose="020B0200000000000000" pitchFamily="50" charset="-127"/>
-                          <a:ea typeface="Noto Sans KR" panose="020B0200000000000000" pitchFamily="50" charset="-127"/>
-                        </a:rPr>
-                        <a:t>11</a:t>
-                      </a:r>
-                      <a:r>
-                        <a:rPr kumimoji="1" lang="ko-KR" altLang="en-US" sz="1200" dirty="0">
-                          <a:latin typeface="Noto Sans KR" panose="020B0200000000000000" pitchFamily="50" charset="-127"/>
-                          <a:ea typeface="Noto Sans KR" panose="020B0200000000000000" pitchFamily="50" charset="-127"/>
-                        </a:rPr>
-                        <a:t>일 기준</a:t>
-                      </a:r>
-                      <a:r>
-                        <a:rPr kumimoji="1" lang="en-US" altLang="ko-KR" sz="1200" dirty="0">
-                          <a:latin typeface="Noto Sans KR" panose="020B0200000000000000" pitchFamily="50" charset="-127"/>
-                          <a:ea typeface="Noto Sans KR" panose="020B0200000000000000" pitchFamily="50" charset="-127"/>
-                        </a:rPr>
-                        <a:t>)</a:t>
+                        <a:t>생성</a:t>
                       </a:r>
                       <a:endParaRPr kumimoji="1" lang="ja-JP" altLang="en-US" sz="1200" dirty="0">
                         <a:latin typeface="Noto Sans KR" panose="020B0200000000000000" pitchFamily="50" charset="-127"/>
